--- a/source/TutorialSession/images_Session/materialSessionTutorial.pptx
+++ b/source/TutorialSession/images_Session/materialSessionTutorial.pptx
@@ -294,7 +294,7 @@
           <a:p>
             <a:fld id="{E90ED720-0104-4369-84BC-D37694168613}" type="datetimeFigureOut">
               <a:rPr kumimoji="1" lang="ja-JP" altLang="en-US" smtClean="0"/>
-              <a:t>2015/11/6</a:t>
+              <a:t>2016/2/8</a:t>
             </a:fld>
             <a:endParaRPr kumimoji="1" lang="ja-JP" altLang="en-US"/>
           </a:p>
@@ -491,7 +491,7 @@
           <a:p>
             <a:fld id="{E90ED720-0104-4369-84BC-D37694168613}" type="datetimeFigureOut">
               <a:rPr kumimoji="1" lang="ja-JP" altLang="en-US" smtClean="0"/>
-              <a:t>2015/11/6</a:t>
+              <a:t>2016/2/8</a:t>
             </a:fld>
             <a:endParaRPr kumimoji="1" lang="ja-JP" altLang="en-US"/>
           </a:p>
@@ -698,7 +698,7 @@
           <a:p>
             <a:fld id="{E90ED720-0104-4369-84BC-D37694168613}" type="datetimeFigureOut">
               <a:rPr kumimoji="1" lang="ja-JP" altLang="en-US" smtClean="0"/>
-              <a:t>2015/11/6</a:t>
+              <a:t>2016/2/8</a:t>
             </a:fld>
             <a:endParaRPr kumimoji="1" lang="ja-JP" altLang="en-US"/>
           </a:p>
@@ -895,7 +895,7 @@
           <a:p>
             <a:fld id="{E90ED720-0104-4369-84BC-D37694168613}" type="datetimeFigureOut">
               <a:rPr kumimoji="1" lang="ja-JP" altLang="en-US" smtClean="0"/>
-              <a:t>2015/11/6</a:t>
+              <a:t>2016/2/8</a:t>
             </a:fld>
             <a:endParaRPr kumimoji="1" lang="ja-JP" altLang="en-US"/>
           </a:p>
@@ -1136,7 +1136,7 @@
           <a:p>
             <a:fld id="{E90ED720-0104-4369-84BC-D37694168613}" type="datetimeFigureOut">
               <a:rPr kumimoji="1" lang="ja-JP" altLang="en-US" smtClean="0"/>
-              <a:t>2015/11/6</a:t>
+              <a:t>2016/2/8</a:t>
             </a:fld>
             <a:endParaRPr kumimoji="1" lang="ja-JP" altLang="en-US"/>
           </a:p>
@@ -1483,7 +1483,7 @@
           <a:p>
             <a:fld id="{E90ED720-0104-4369-84BC-D37694168613}" type="datetimeFigureOut">
               <a:rPr kumimoji="1" lang="ja-JP" altLang="en-US" smtClean="0"/>
-              <a:t>2015/11/6</a:t>
+              <a:t>2016/2/8</a:t>
             </a:fld>
             <a:endParaRPr kumimoji="1" lang="ja-JP" altLang="en-US"/>
           </a:p>
@@ -1964,7 +1964,7 @@
           <a:p>
             <a:fld id="{E90ED720-0104-4369-84BC-D37694168613}" type="datetimeFigureOut">
               <a:rPr kumimoji="1" lang="ja-JP" altLang="en-US" smtClean="0"/>
-              <a:t>2015/11/6</a:t>
+              <a:t>2016/2/8</a:t>
             </a:fld>
             <a:endParaRPr kumimoji="1" lang="ja-JP" altLang="en-US"/>
           </a:p>
@@ -2077,7 +2077,7 @@
           <a:p>
             <a:fld id="{E90ED720-0104-4369-84BC-D37694168613}" type="datetimeFigureOut">
               <a:rPr kumimoji="1" lang="ja-JP" altLang="en-US" smtClean="0"/>
-              <a:t>2015/11/6</a:t>
+              <a:t>2016/2/8</a:t>
             </a:fld>
             <a:endParaRPr kumimoji="1" lang="ja-JP" altLang="en-US"/>
           </a:p>
@@ -2167,7 +2167,7 @@
           <a:p>
             <a:fld id="{E90ED720-0104-4369-84BC-D37694168613}" type="datetimeFigureOut">
               <a:rPr kumimoji="1" lang="ja-JP" altLang="en-US" smtClean="0"/>
-              <a:t>2015/11/6</a:t>
+              <a:t>2016/2/8</a:t>
             </a:fld>
             <a:endParaRPr kumimoji="1" lang="ja-JP" altLang="en-US"/>
           </a:p>
@@ -2471,7 +2471,7 @@
           <a:p>
             <a:fld id="{E90ED720-0104-4369-84BC-D37694168613}" type="datetimeFigureOut">
               <a:rPr kumimoji="1" lang="ja-JP" altLang="en-US" smtClean="0"/>
-              <a:t>2015/11/6</a:t>
+              <a:t>2016/2/8</a:t>
             </a:fld>
             <a:endParaRPr kumimoji="1" lang="ja-JP" altLang="en-US"/>
           </a:p>
@@ -2719,7 +2719,7 @@
           <a:p>
             <a:fld id="{E90ED720-0104-4369-84BC-D37694168613}" type="datetimeFigureOut">
               <a:rPr kumimoji="1" lang="ja-JP" altLang="en-US" smtClean="0"/>
-              <a:t>2015/11/6</a:t>
+              <a:t>2016/2/8</a:t>
             </a:fld>
             <a:endParaRPr kumimoji="1" lang="ja-JP" altLang="en-US"/>
           </a:p>
@@ -2959,7 +2959,7 @@
           <a:p>
             <a:fld id="{E90ED720-0104-4369-84BC-D37694168613}" type="datetimeFigureOut">
               <a:rPr kumimoji="1" lang="ja-JP" altLang="en-US" smtClean="0"/>
-              <a:t>2015/11/6</a:t>
+              <a:t>2016/2/8</a:t>
             </a:fld>
             <a:endParaRPr kumimoji="1" lang="ja-JP" altLang="en-US"/>
           </a:p>
@@ -3407,12 +3407,17 @@
             <a:pPr algn="ctr"/>
             <a:r>
               <a:rPr lang="en-US" altLang="ja-JP" dirty="0"/>
+              <a:t>Account </a:t>
+            </a:r>
+            <a:r>
+              <a:rPr lang="en-US" altLang="ja-JP" dirty="0" smtClean="0"/>
               <a:t>Create </a:t>
             </a:r>
             <a:r>
               <a:rPr kumimoji="1" lang="en-US" altLang="ja-JP" dirty="0" smtClean="0"/>
-              <a:t>Account Pages</a:t>
-            </a:r>
+              <a:t>Pages</a:t>
+            </a:r>
+            <a:endParaRPr kumimoji="1" lang="en-US" altLang="ja-JP" dirty="0" smtClean="0"/>
           </a:p>
         </p:txBody>
       </p:sp>
@@ -3452,11 +3457,15 @@
             <a:pPr algn="ctr"/>
             <a:r>
               <a:rPr lang="en-US" altLang="ja-JP" dirty="0"/>
+              <a:t>Account </a:t>
+            </a:r>
+            <a:r>
+              <a:rPr lang="en-US" altLang="ja-JP" dirty="0" smtClean="0"/>
               <a:t>Update </a:t>
             </a:r>
             <a:r>
               <a:rPr kumimoji="1" lang="en-US" altLang="ja-JP" dirty="0" smtClean="0"/>
-              <a:t>Account Pages</a:t>
+              <a:t>Pages</a:t>
             </a:r>
             <a:endParaRPr kumimoji="1" lang="ja-JP" altLang="en-US" dirty="0"/>
           </a:p>
@@ -3497,9 +3506,10 @@
           <a:p>
             <a:pPr algn="ctr"/>
             <a:r>
-              <a:rPr kumimoji="1" lang="en-US" altLang="ja-JP" dirty="0" smtClean="0"/>
-              <a:t>View Item Pages</a:t>
-            </a:r>
+              <a:rPr lang="en-US" altLang="ja-JP" dirty="0"/>
+              <a:t>Item View Pages</a:t>
+            </a:r>
+            <a:endParaRPr kumimoji="1" lang="en-US" altLang="ja-JP" dirty="0" smtClean="0"/>
           </a:p>
         </p:txBody>
       </p:sp>
@@ -3629,8 +3639,8 @@
           <a:p>
             <a:pPr algn="ctr"/>
             <a:r>
-              <a:rPr lang="en-US" altLang="ja-JP" dirty="0" smtClean="0"/>
-              <a:t>View Cart </a:t>
+              <a:rPr lang="en-US" altLang="ja-JP" dirty="0"/>
+              <a:t>Cart View </a:t>
             </a:r>
             <a:r>
               <a:rPr kumimoji="1" lang="en-US" altLang="ja-JP" dirty="0" smtClean="0"/>
@@ -4797,11 +4807,7 @@
               </a:r>
               <a:r>
                 <a:rPr lang="en-US" altLang="ja-JP" sz="1200" dirty="0" smtClean="0"/>
-                <a:t>000</a:t>
-              </a:r>
-              <a:r>
-                <a:rPr lang="en-US" altLang="ja-JP" sz="1200" dirty="0" smtClean="0"/>
-                <a:t>0</a:t>
+                <a:t>0000</a:t>
               </a:r>
               <a:endParaRPr lang="en-US" altLang="ja-JP" sz="1200" dirty="0"/>
             </a:p>
@@ -8350,7 +8356,7 @@
             <a:avLst/>
           </a:prstGeom>
           <a:ln>
-            <a:headEnd type="arrow"/>
+            <a:headEnd type="none"/>
             <a:tailEnd type="arrow"/>
           </a:ln>
         </p:spPr>
@@ -8379,9 +8385,9 @@
           <p:nvPr/>
         </p:nvCxnSpPr>
         <p:spPr>
-          <a:xfrm flipH="1">
-            <a:off x="2003673" y="990020"/>
-            <a:ext cx="2720" cy="762570"/>
+          <a:xfrm>
+            <a:off x="2002321" y="990020"/>
+            <a:ext cx="1352" cy="762570"/>
           </a:xfrm>
           <a:prstGeom prst="straightConnector1">
             <a:avLst/>
@@ -8537,7 +8543,11 @@
           <a:p>
             <a:r>
               <a:rPr lang="en-US" altLang="ja-JP" dirty="0" smtClean="0"/>
-              <a:t>To View Item Pages</a:t>
+              <a:t>To </a:t>
+            </a:r>
+            <a:r>
+              <a:rPr lang="en-US" altLang="ja-JP" dirty="0"/>
+              <a:t>Item View Pages</a:t>
             </a:r>
             <a:endParaRPr kumimoji="1" lang="ja-JP" altLang="en-US" dirty="0"/>
           </a:p>
@@ -8588,7 +8598,7 @@
         <p:spPr>
           <a:xfrm>
             <a:off x="735692" y="620688"/>
-            <a:ext cx="2541401" cy="369332"/>
+            <a:ext cx="2533258" cy="369332"/>
           </a:xfrm>
           <a:prstGeom prst="rect">
             <a:avLst/>
@@ -8603,7 +8613,19 @@
           <a:p>
             <a:r>
               <a:rPr kumimoji="1" lang="en-US" altLang="ja-JP" dirty="0" smtClean="0"/>
-              <a:t>From View Item pages, …</a:t>
+              <a:t>From </a:t>
+            </a:r>
+            <a:r>
+              <a:rPr lang="en-US" altLang="ja-JP" dirty="0"/>
+              <a:t>Item View </a:t>
+            </a:r>
+            <a:r>
+              <a:rPr lang="en-US" altLang="ja-JP" dirty="0" smtClean="0"/>
+              <a:t>Pages</a:t>
+            </a:r>
+            <a:r>
+              <a:rPr kumimoji="1" lang="en-US" altLang="ja-JP" dirty="0" smtClean="0"/>
+              <a:t>, …</a:t>
             </a:r>
             <a:endParaRPr kumimoji="1" lang="ja-JP" altLang="en-US" dirty="0"/>
           </a:p>
@@ -8664,7 +8686,7 @@
         <p:spPr>
           <a:xfrm>
             <a:off x="5265709" y="1122405"/>
-            <a:ext cx="2336409" cy="369332"/>
+            <a:ext cx="2283510" cy="369332"/>
           </a:xfrm>
           <a:prstGeom prst="rect">
             <a:avLst/>
@@ -8679,11 +8701,11 @@
           <a:p>
             <a:r>
               <a:rPr lang="en-US" altLang="ja-JP" dirty="0"/>
-              <a:t>Update </a:t>
+              <a:t>Account Update </a:t>
             </a:r>
             <a:r>
               <a:rPr lang="en-US" altLang="ja-JP" dirty="0" smtClean="0"/>
-              <a:t>Account Pages</a:t>
+              <a:t>Pages</a:t>
             </a:r>
             <a:endParaRPr kumimoji="1" lang="ja-JP" altLang="en-US" dirty="0"/>
           </a:p>
@@ -11859,7 +11881,7 @@
                     <a:schemeClr val="tx1"/>
                   </a:solidFill>
                 </a:rPr>
-                <a:t>home</a:t>
+                <a:t>Home</a:t>
               </a:r>
               <a:endParaRPr kumimoji="1" lang="ja-JP" altLang="en-US" sz="1200" dirty="0">
                 <a:solidFill>
@@ -14107,16 +14129,16 @@
               <a:t> </a:t>
             </a:r>
             <a:r>
-              <a:rPr kumimoji="1" lang="en-US" altLang="ja-JP" dirty="0" smtClean="0"/>
+              <a:rPr lang="en-US" altLang="ja-JP" dirty="0" smtClean="0"/>
+              <a:t>Account</a:t>
+            </a:r>
+            <a:r>
+              <a:rPr lang="ja-JP" altLang="en-US" dirty="0" smtClean="0"/>
+              <a:t> </a:t>
+            </a:r>
+            <a:r>
+              <a:rPr lang="en-US" altLang="ja-JP" dirty="0"/>
               <a:t>Update</a:t>
-            </a:r>
-            <a:r>
-              <a:rPr kumimoji="1" lang="ja-JP" altLang="en-US" dirty="0" smtClean="0"/>
-              <a:t> </a:t>
-            </a:r>
-            <a:r>
-              <a:rPr lang="en-US" altLang="ja-JP" dirty="0"/>
-              <a:t>Account</a:t>
             </a:r>
             <a:r>
               <a:rPr lang="ja-JP" altLang="en-US" dirty="0"/>
@@ -14244,16 +14266,16 @@
               <a:t> </a:t>
             </a:r>
             <a:r>
-              <a:rPr kumimoji="1" lang="en-US" altLang="ja-JP" dirty="0" smtClean="0"/>
+              <a:rPr lang="en-US" altLang="ja-JP" dirty="0" smtClean="0"/>
+              <a:t>Account</a:t>
+            </a:r>
+            <a:r>
+              <a:rPr lang="ja-JP" altLang="en-US" dirty="0" smtClean="0"/>
+              <a:t> </a:t>
+            </a:r>
+            <a:r>
+              <a:rPr lang="en-US" altLang="ja-JP" dirty="0"/>
               <a:t>Update</a:t>
-            </a:r>
-            <a:r>
-              <a:rPr kumimoji="1" lang="ja-JP" altLang="en-US" dirty="0" smtClean="0"/>
-              <a:t> </a:t>
-            </a:r>
-            <a:r>
-              <a:rPr lang="en-US" altLang="ja-JP" dirty="0"/>
-              <a:t>Account</a:t>
             </a:r>
             <a:r>
               <a:rPr lang="ja-JP" altLang="en-US" dirty="0"/>
@@ -15223,14 +15245,14 @@
             <a:p>
               <a:pPr algn="ctr"/>
               <a:r>
-                <a:rPr lang="ja-JP" altLang="en-US" sz="1200">
+                <a:rPr lang="en-US" altLang="ja-JP" sz="1200" dirty="0" smtClean="0">
                   <a:solidFill>
                     <a:schemeClr val="tx1"/>
                   </a:solidFill>
                 </a:rPr>
-                <a:t>ホーム</a:t>
-              </a:r>
-              <a:endParaRPr kumimoji="1" lang="ja-JP" altLang="en-US" sz="1200">
+                <a:t>Home</a:t>
+              </a:r>
+              <a:endParaRPr kumimoji="1" lang="ja-JP" altLang="en-US" sz="1200" dirty="0">
                 <a:solidFill>
                   <a:schemeClr val="tx1"/>
                 </a:solidFill>
@@ -16451,11 +16473,7 @@
             <a:p>
               <a:r>
                 <a:rPr lang="en-US" altLang="ja-JP" sz="1200" dirty="0" smtClean="0"/>
-                <a:t>Card (card number :  </a:t>
-              </a:r>
-              <a:r>
-                <a:rPr lang="en-US" altLang="ja-JP" sz="1200" dirty="0" smtClean="0"/>
-                <a:t>****-****-0000)</a:t>
+                <a:t>Card (card number :  ****-****-0000)</a:t>
               </a:r>
               <a:endParaRPr lang="en-US" altLang="ja-JP" sz="1200" dirty="0"/>
             </a:p>
@@ -16593,12 +16611,20 @@
             <a:p>
               <a:pPr algn="ctr"/>
               <a:r>
+                <a:rPr lang="en-US" altLang="ja-JP" sz="1200" dirty="0">
+                  <a:solidFill>
+                    <a:schemeClr val="tx1"/>
+                  </a:solidFill>
+                </a:rPr>
+                <a:t>H</a:t>
+              </a:r>
+              <a:r>
                 <a:rPr lang="en-US" altLang="ja-JP" sz="1200" dirty="0" smtClean="0">
                   <a:solidFill>
                     <a:schemeClr val="tx1"/>
                   </a:solidFill>
                 </a:rPr>
-                <a:t>home</a:t>
+                <a:t>ome</a:t>
               </a:r>
               <a:endParaRPr kumimoji="1" lang="ja-JP" altLang="en-US" sz="1200" dirty="0">
                 <a:solidFill>
@@ -16627,7 +16653,7 @@
             <a:avLst/>
           </a:prstGeom>
           <a:ln>
-            <a:headEnd type="arrow"/>
+            <a:headEnd type="none"/>
             <a:tailEnd type="arrow"/>
           </a:ln>
         </p:spPr>
@@ -16883,8 +16909,8 @@
           <a:lstStyle/>
           <a:p>
             <a:r>
-              <a:rPr kumimoji="1" lang="en-US" altLang="ja-JP" dirty="0" smtClean="0"/>
-              <a:t>View Item Pages</a:t>
+              <a:rPr lang="en-US" altLang="ja-JP" dirty="0"/>
+              <a:t>Item View Pages</a:t>
             </a:r>
             <a:endParaRPr kumimoji="1" lang="ja-JP" altLang="en-US" dirty="0"/>
           </a:p>
@@ -16913,8 +16939,12 @@
           <a:lstStyle/>
           <a:p>
             <a:r>
+              <a:rPr lang="en-US" altLang="ja-JP" dirty="0"/>
+              <a:t>Cart View </a:t>
+            </a:r>
+            <a:r>
               <a:rPr kumimoji="1" lang="en-US" altLang="ja-JP" dirty="0" smtClean="0"/>
-              <a:t>View Cart Pages</a:t>
+              <a:t>Pages</a:t>
             </a:r>
             <a:endParaRPr kumimoji="1" lang="ja-JP" altLang="en-US" dirty="0"/>
           </a:p>

--- a/source/TutorialSession/images_Session/materialSessionTutorial.pptx
+++ b/source/TutorialSession/images_Session/materialSessionTutorial.pptx
@@ -294,7 +294,7 @@
           <a:p>
             <a:fld id="{E90ED720-0104-4369-84BC-D37694168613}" type="datetimeFigureOut">
               <a:rPr kumimoji="1" lang="ja-JP" altLang="en-US" smtClean="0"/>
-              <a:t>2016/2/8</a:t>
+              <a:t>2016/2/9</a:t>
             </a:fld>
             <a:endParaRPr kumimoji="1" lang="ja-JP" altLang="en-US"/>
           </a:p>
@@ -491,7 +491,7 @@
           <a:p>
             <a:fld id="{E90ED720-0104-4369-84BC-D37694168613}" type="datetimeFigureOut">
               <a:rPr kumimoji="1" lang="ja-JP" altLang="en-US" smtClean="0"/>
-              <a:t>2016/2/8</a:t>
+              <a:t>2016/2/9</a:t>
             </a:fld>
             <a:endParaRPr kumimoji="1" lang="ja-JP" altLang="en-US"/>
           </a:p>
@@ -698,7 +698,7 @@
           <a:p>
             <a:fld id="{E90ED720-0104-4369-84BC-D37694168613}" type="datetimeFigureOut">
               <a:rPr kumimoji="1" lang="ja-JP" altLang="en-US" smtClean="0"/>
-              <a:t>2016/2/8</a:t>
+              <a:t>2016/2/9</a:t>
             </a:fld>
             <a:endParaRPr kumimoji="1" lang="ja-JP" altLang="en-US"/>
           </a:p>
@@ -895,7 +895,7 @@
           <a:p>
             <a:fld id="{E90ED720-0104-4369-84BC-D37694168613}" type="datetimeFigureOut">
               <a:rPr kumimoji="1" lang="ja-JP" altLang="en-US" smtClean="0"/>
-              <a:t>2016/2/8</a:t>
+              <a:t>2016/2/9</a:t>
             </a:fld>
             <a:endParaRPr kumimoji="1" lang="ja-JP" altLang="en-US"/>
           </a:p>
@@ -1136,7 +1136,7 @@
           <a:p>
             <a:fld id="{E90ED720-0104-4369-84BC-D37694168613}" type="datetimeFigureOut">
               <a:rPr kumimoji="1" lang="ja-JP" altLang="en-US" smtClean="0"/>
-              <a:t>2016/2/8</a:t>
+              <a:t>2016/2/9</a:t>
             </a:fld>
             <a:endParaRPr kumimoji="1" lang="ja-JP" altLang="en-US"/>
           </a:p>
@@ -1483,7 +1483,7 @@
           <a:p>
             <a:fld id="{E90ED720-0104-4369-84BC-D37694168613}" type="datetimeFigureOut">
               <a:rPr kumimoji="1" lang="ja-JP" altLang="en-US" smtClean="0"/>
-              <a:t>2016/2/8</a:t>
+              <a:t>2016/2/9</a:t>
             </a:fld>
             <a:endParaRPr kumimoji="1" lang="ja-JP" altLang="en-US"/>
           </a:p>
@@ -1964,7 +1964,7 @@
           <a:p>
             <a:fld id="{E90ED720-0104-4369-84BC-D37694168613}" type="datetimeFigureOut">
               <a:rPr kumimoji="1" lang="ja-JP" altLang="en-US" smtClean="0"/>
-              <a:t>2016/2/8</a:t>
+              <a:t>2016/2/9</a:t>
             </a:fld>
             <a:endParaRPr kumimoji="1" lang="ja-JP" altLang="en-US"/>
           </a:p>
@@ -2077,7 +2077,7 @@
           <a:p>
             <a:fld id="{E90ED720-0104-4369-84BC-D37694168613}" type="datetimeFigureOut">
               <a:rPr kumimoji="1" lang="ja-JP" altLang="en-US" smtClean="0"/>
-              <a:t>2016/2/8</a:t>
+              <a:t>2016/2/9</a:t>
             </a:fld>
             <a:endParaRPr kumimoji="1" lang="ja-JP" altLang="en-US"/>
           </a:p>
@@ -2167,7 +2167,7 @@
           <a:p>
             <a:fld id="{E90ED720-0104-4369-84BC-D37694168613}" type="datetimeFigureOut">
               <a:rPr kumimoji="1" lang="ja-JP" altLang="en-US" smtClean="0"/>
-              <a:t>2016/2/8</a:t>
+              <a:t>2016/2/9</a:t>
             </a:fld>
             <a:endParaRPr kumimoji="1" lang="ja-JP" altLang="en-US"/>
           </a:p>
@@ -2471,7 +2471,7 @@
           <a:p>
             <a:fld id="{E90ED720-0104-4369-84BC-D37694168613}" type="datetimeFigureOut">
               <a:rPr kumimoji="1" lang="ja-JP" altLang="en-US" smtClean="0"/>
-              <a:t>2016/2/8</a:t>
+              <a:t>2016/2/9</a:t>
             </a:fld>
             <a:endParaRPr kumimoji="1" lang="ja-JP" altLang="en-US"/>
           </a:p>
@@ -2719,7 +2719,7 @@
           <a:p>
             <a:fld id="{E90ED720-0104-4369-84BC-D37694168613}" type="datetimeFigureOut">
               <a:rPr kumimoji="1" lang="ja-JP" altLang="en-US" smtClean="0"/>
-              <a:t>2016/2/8</a:t>
+              <a:t>2016/2/9</a:t>
             </a:fld>
             <a:endParaRPr kumimoji="1" lang="ja-JP" altLang="en-US"/>
           </a:p>
@@ -2959,7 +2959,7 @@
           <a:p>
             <a:fld id="{E90ED720-0104-4369-84BC-D37694168613}" type="datetimeFigureOut">
               <a:rPr kumimoji="1" lang="ja-JP" altLang="en-US" smtClean="0"/>
-              <a:t>2016/2/8</a:t>
+              <a:t>2016/2/9</a:t>
             </a:fld>
             <a:endParaRPr kumimoji="1" lang="ja-JP" altLang="en-US"/>
           </a:p>
@@ -3417,7 +3417,6 @@
               <a:rPr kumimoji="1" lang="en-US" altLang="ja-JP" dirty="0" smtClean="0"/>
               <a:t>Pages</a:t>
             </a:r>
-            <a:endParaRPr kumimoji="1" lang="en-US" altLang="ja-JP" dirty="0" smtClean="0"/>
           </a:p>
         </p:txBody>
       </p:sp>
@@ -8375,262 +8374,6 @@
           </a:fontRef>
         </p:style>
       </p:cxnSp>
-      <p:cxnSp>
-        <p:nvCxnSpPr>
-          <p:cNvPr id="37" name="直線矢印コネクタ 36"/>
-          <p:cNvCxnSpPr>
-            <a:stCxn id="43" idx="2"/>
-            <a:endCxn id="16" idx="0"/>
-          </p:cNvCxnSpPr>
-          <p:nvPr/>
-        </p:nvCxnSpPr>
-        <p:spPr>
-          <a:xfrm>
-            <a:off x="2002321" y="990020"/>
-            <a:ext cx="1352" cy="762570"/>
-          </a:xfrm>
-          <a:prstGeom prst="straightConnector1">
-            <a:avLst/>
-          </a:prstGeom>
-          <a:ln>
-            <a:tailEnd type="arrow"/>
-          </a:ln>
-        </p:spPr>
-        <p:style>
-          <a:lnRef idx="2">
-            <a:schemeClr val="dk1"/>
-          </a:lnRef>
-          <a:fillRef idx="0">
-            <a:schemeClr val="dk1"/>
-          </a:fillRef>
-          <a:effectRef idx="1">
-            <a:schemeClr val="dk1"/>
-          </a:effectRef>
-          <a:fontRef idx="minor">
-            <a:schemeClr val="tx1"/>
-          </a:fontRef>
-        </p:style>
-      </p:cxnSp>
-      <p:cxnSp>
-        <p:nvCxnSpPr>
-          <p:cNvPr id="38" name="直線矢印コネクタ 37"/>
-          <p:cNvCxnSpPr>
-            <a:stCxn id="16" idx="2"/>
-            <a:endCxn id="41" idx="0"/>
-          </p:cNvCxnSpPr>
-          <p:nvPr/>
-        </p:nvCxnSpPr>
-        <p:spPr>
-          <a:xfrm>
-            <a:off x="2003673" y="3709456"/>
-            <a:ext cx="4430240" cy="799664"/>
-          </a:xfrm>
-          <a:prstGeom prst="straightConnector1">
-            <a:avLst/>
-          </a:prstGeom>
-          <a:ln>
-            <a:tailEnd type="arrow"/>
-          </a:ln>
-        </p:spPr>
-        <p:style>
-          <a:lnRef idx="2">
-            <a:schemeClr val="dk1"/>
-          </a:lnRef>
-          <a:fillRef idx="0">
-            <a:schemeClr val="dk1"/>
-          </a:fillRef>
-          <a:effectRef idx="1">
-            <a:schemeClr val="dk1"/>
-          </a:effectRef>
-          <a:fontRef idx="minor">
-            <a:schemeClr val="tx1"/>
-          </a:fontRef>
-        </p:style>
-      </p:cxnSp>
-      <p:cxnSp>
-        <p:nvCxnSpPr>
-          <p:cNvPr id="39" name="直線矢印コネクタ 38"/>
-          <p:cNvCxnSpPr>
-            <a:stCxn id="26" idx="2"/>
-            <a:endCxn id="41" idx="0"/>
-          </p:cNvCxnSpPr>
-          <p:nvPr/>
-        </p:nvCxnSpPr>
-        <p:spPr>
-          <a:xfrm>
-            <a:off x="4958712" y="3567777"/>
-            <a:ext cx="1475201" cy="941343"/>
-          </a:xfrm>
-          <a:prstGeom prst="straightConnector1">
-            <a:avLst/>
-          </a:prstGeom>
-          <a:ln>
-            <a:tailEnd type="arrow"/>
-          </a:ln>
-        </p:spPr>
-        <p:style>
-          <a:lnRef idx="2">
-            <a:schemeClr val="dk1"/>
-          </a:lnRef>
-          <a:fillRef idx="0">
-            <a:schemeClr val="dk1"/>
-          </a:fillRef>
-          <a:effectRef idx="1">
-            <a:schemeClr val="dk1"/>
-          </a:effectRef>
-          <a:fontRef idx="minor">
-            <a:schemeClr val="tx1"/>
-          </a:fontRef>
-        </p:style>
-      </p:cxnSp>
-      <p:cxnSp>
-        <p:nvCxnSpPr>
-          <p:cNvPr id="40" name="直線矢印コネクタ 39"/>
-          <p:cNvCxnSpPr>
-            <a:stCxn id="9" idx="2"/>
-            <a:endCxn id="41" idx="0"/>
-          </p:cNvCxnSpPr>
-          <p:nvPr/>
-        </p:nvCxnSpPr>
-        <p:spPr>
-          <a:xfrm flipH="1">
-            <a:off x="6433913" y="3951595"/>
-            <a:ext cx="1446698" cy="557525"/>
-          </a:xfrm>
-          <a:prstGeom prst="straightConnector1">
-            <a:avLst/>
-          </a:prstGeom>
-          <a:ln>
-            <a:tailEnd type="arrow"/>
-          </a:ln>
-        </p:spPr>
-        <p:style>
-          <a:lnRef idx="2">
-            <a:schemeClr val="dk1"/>
-          </a:lnRef>
-          <a:fillRef idx="0">
-            <a:schemeClr val="dk1"/>
-          </a:fillRef>
-          <a:effectRef idx="1">
-            <a:schemeClr val="dk1"/>
-          </a:effectRef>
-          <a:fontRef idx="minor">
-            <a:schemeClr val="tx1"/>
-          </a:fontRef>
-        </p:style>
-      </p:cxnSp>
-      <p:sp>
-        <p:nvSpPr>
-          <p:cNvPr id="41" name="テキスト ボックス 40"/>
-          <p:cNvSpPr txBox="1"/>
-          <p:nvPr/>
-        </p:nvSpPr>
-        <p:spPr>
-          <a:xfrm>
-            <a:off x="5439377" y="4509120"/>
-            <a:ext cx="1989071" cy="369332"/>
-          </a:xfrm>
-          <a:prstGeom prst="rect">
-            <a:avLst/>
-          </a:prstGeom>
-          <a:noFill/>
-        </p:spPr>
-        <p:txBody>
-          <a:bodyPr wrap="none" rtlCol="0">
-            <a:spAutoFit/>
-          </a:bodyPr>
-          <a:lstStyle/>
-          <a:p>
-            <a:r>
-              <a:rPr lang="en-US" altLang="ja-JP" dirty="0" smtClean="0"/>
-              <a:t>To </a:t>
-            </a:r>
-            <a:r>
-              <a:rPr lang="en-US" altLang="ja-JP" dirty="0"/>
-              <a:t>Item View Pages</a:t>
-            </a:r>
-            <a:endParaRPr kumimoji="1" lang="ja-JP" altLang="en-US" dirty="0"/>
-          </a:p>
-        </p:txBody>
-      </p:sp>
-      <p:cxnSp>
-        <p:nvCxnSpPr>
-          <p:cNvPr id="42" name="直線矢印コネクタ 41"/>
-          <p:cNvCxnSpPr>
-            <a:stCxn id="3" idx="2"/>
-            <a:endCxn id="41" idx="0"/>
-          </p:cNvCxnSpPr>
-          <p:nvPr/>
-        </p:nvCxnSpPr>
-        <p:spPr>
-          <a:xfrm flipH="1">
-            <a:off x="6433913" y="3958570"/>
-            <a:ext cx="4420536" cy="550550"/>
-          </a:xfrm>
-          <a:prstGeom prst="straightConnector1">
-            <a:avLst/>
-          </a:prstGeom>
-          <a:ln>
-            <a:tailEnd type="arrow"/>
-          </a:ln>
-        </p:spPr>
-        <p:style>
-          <a:lnRef idx="2">
-            <a:schemeClr val="dk1"/>
-          </a:lnRef>
-          <a:fillRef idx="0">
-            <a:schemeClr val="dk1"/>
-          </a:fillRef>
-          <a:effectRef idx="1">
-            <a:schemeClr val="dk1"/>
-          </a:effectRef>
-          <a:fontRef idx="minor">
-            <a:schemeClr val="tx1"/>
-          </a:fontRef>
-        </p:style>
-      </p:cxnSp>
-      <p:sp>
-        <p:nvSpPr>
-          <p:cNvPr id="43" name="テキスト ボックス 42"/>
-          <p:cNvSpPr txBox="1"/>
-          <p:nvPr/>
-        </p:nvSpPr>
-        <p:spPr>
-          <a:xfrm>
-            <a:off x="735692" y="620688"/>
-            <a:ext cx="2533258" cy="369332"/>
-          </a:xfrm>
-          <a:prstGeom prst="rect">
-            <a:avLst/>
-          </a:prstGeom>
-          <a:noFill/>
-        </p:spPr>
-        <p:txBody>
-          <a:bodyPr wrap="none" rtlCol="0">
-            <a:spAutoFit/>
-          </a:bodyPr>
-          <a:lstStyle/>
-          <a:p>
-            <a:r>
-              <a:rPr kumimoji="1" lang="en-US" altLang="ja-JP" dirty="0" smtClean="0"/>
-              <a:t>From </a:t>
-            </a:r>
-            <a:r>
-              <a:rPr lang="en-US" altLang="ja-JP" dirty="0"/>
-              <a:t>Item View </a:t>
-            </a:r>
-            <a:r>
-              <a:rPr lang="en-US" altLang="ja-JP" dirty="0" smtClean="0"/>
-              <a:t>Pages</a:t>
-            </a:r>
-            <a:r>
-              <a:rPr kumimoji="1" lang="en-US" altLang="ja-JP" dirty="0" smtClean="0"/>
-              <a:t>, …</a:t>
-            </a:r>
-            <a:endParaRPr kumimoji="1" lang="ja-JP" altLang="en-US" dirty="0"/>
-          </a:p>
-        </p:txBody>
-      </p:sp>
       <p:sp>
         <p:nvSpPr>
           <p:cNvPr id="44" name="正方形/長方形 43"/>
@@ -14003,305 +13746,6 @@
           <a:xfrm flipV="1">
             <a:off x="4515311" y="2065384"/>
             <a:ext cx="417573" cy="3145115"/>
-          </a:xfrm>
-          <a:prstGeom prst="straightConnector1">
-            <a:avLst/>
-          </a:prstGeom>
-          <a:ln>
-            <a:tailEnd type="arrow"/>
-          </a:ln>
-        </p:spPr>
-        <p:style>
-          <a:lnRef idx="2">
-            <a:schemeClr val="dk1"/>
-          </a:lnRef>
-          <a:fillRef idx="0">
-            <a:schemeClr val="dk1"/>
-          </a:fillRef>
-          <a:effectRef idx="1">
-            <a:schemeClr val="dk1"/>
-          </a:effectRef>
-          <a:fontRef idx="minor">
-            <a:schemeClr val="tx1"/>
-          </a:fontRef>
-        </p:style>
-      </p:cxnSp>
-      <p:cxnSp>
-        <p:nvCxnSpPr>
-          <p:cNvPr id="44" name="直線矢印コネクタ 43"/>
-          <p:cNvCxnSpPr>
-            <a:stCxn id="47" idx="3"/>
-            <a:endCxn id="3" idx="1"/>
-          </p:cNvCxnSpPr>
-          <p:nvPr/>
-        </p:nvCxnSpPr>
-        <p:spPr>
-          <a:xfrm>
-            <a:off x="396380" y="2065384"/>
-            <a:ext cx="239173" cy="2751"/>
-          </a:xfrm>
-          <a:prstGeom prst="straightConnector1">
-            <a:avLst/>
-          </a:prstGeom>
-          <a:ln>
-            <a:tailEnd type="arrow"/>
-          </a:ln>
-        </p:spPr>
-        <p:style>
-          <a:lnRef idx="2">
-            <a:schemeClr val="dk1"/>
-          </a:lnRef>
-          <a:fillRef idx="0">
-            <a:schemeClr val="dk1"/>
-          </a:fillRef>
-          <a:effectRef idx="1">
-            <a:schemeClr val="dk1"/>
-          </a:effectRef>
-          <a:fontRef idx="minor">
-            <a:schemeClr val="tx1"/>
-          </a:fontRef>
-        </p:style>
-      </p:cxnSp>
-      <p:cxnSp>
-        <p:nvCxnSpPr>
-          <p:cNvPr id="45" name="直線矢印コネクタ 44"/>
-          <p:cNvCxnSpPr>
-            <a:stCxn id="19" idx="2"/>
-            <a:endCxn id="49" idx="0"/>
-          </p:cNvCxnSpPr>
-          <p:nvPr/>
-        </p:nvCxnSpPr>
-        <p:spPr>
-          <a:xfrm flipH="1">
-            <a:off x="4804985" y="3112880"/>
-            <a:ext cx="1962731" cy="4060536"/>
-          </a:xfrm>
-          <a:prstGeom prst="straightConnector1">
-            <a:avLst/>
-          </a:prstGeom>
-          <a:ln>
-            <a:tailEnd type="arrow"/>
-          </a:ln>
-        </p:spPr>
-        <p:style>
-          <a:lnRef idx="2">
-            <a:schemeClr val="dk1"/>
-          </a:lnRef>
-          <a:fillRef idx="0">
-            <a:schemeClr val="dk1"/>
-          </a:fillRef>
-          <a:effectRef idx="1">
-            <a:schemeClr val="dk1"/>
-          </a:effectRef>
-          <a:fontRef idx="minor">
-            <a:schemeClr val="tx1"/>
-          </a:fontRef>
-        </p:style>
-      </p:cxnSp>
-      <p:sp>
-        <p:nvSpPr>
-          <p:cNvPr id="46" name="テキスト ボックス 45"/>
-          <p:cNvSpPr txBox="1"/>
-          <p:nvPr/>
-        </p:nvSpPr>
-        <p:spPr>
-          <a:xfrm>
-            <a:off x="1025730" y="-315416"/>
-            <a:ext cx="3128100" cy="369332"/>
-          </a:xfrm>
-          <a:prstGeom prst="rect">
-            <a:avLst/>
-          </a:prstGeom>
-          <a:noFill/>
-        </p:spPr>
-        <p:txBody>
-          <a:bodyPr wrap="none" rtlCol="0">
-            <a:spAutoFit/>
-          </a:bodyPr>
-          <a:lstStyle/>
-          <a:p>
-            <a:r>
-              <a:rPr kumimoji="1" lang="en-US" altLang="ja-JP" dirty="0" smtClean="0"/>
-              <a:t>From/To</a:t>
-            </a:r>
-            <a:r>
-              <a:rPr kumimoji="1" lang="ja-JP" altLang="en-US" dirty="0" smtClean="0"/>
-              <a:t> </a:t>
-            </a:r>
-            <a:r>
-              <a:rPr lang="en-US" altLang="ja-JP" dirty="0" smtClean="0"/>
-              <a:t>Account</a:t>
-            </a:r>
-            <a:r>
-              <a:rPr lang="ja-JP" altLang="en-US" dirty="0" smtClean="0"/>
-              <a:t> </a:t>
-            </a:r>
-            <a:r>
-              <a:rPr lang="en-US" altLang="ja-JP" dirty="0"/>
-              <a:t>Update</a:t>
-            </a:r>
-            <a:r>
-              <a:rPr lang="ja-JP" altLang="en-US" dirty="0"/>
-              <a:t> </a:t>
-            </a:r>
-            <a:r>
-              <a:rPr kumimoji="1" lang="en-US" altLang="ja-JP" dirty="0" smtClean="0"/>
-              <a:t>Pages</a:t>
-            </a:r>
-            <a:endParaRPr kumimoji="1" lang="ja-JP" altLang="en-US" dirty="0"/>
-          </a:p>
-        </p:txBody>
-      </p:sp>
-      <p:sp>
-        <p:nvSpPr>
-          <p:cNvPr id="47" name="テキスト ボックス 46"/>
-          <p:cNvSpPr txBox="1"/>
-          <p:nvPr/>
-        </p:nvSpPr>
-        <p:spPr>
-          <a:xfrm>
-            <a:off x="-324844" y="1603719"/>
-            <a:ext cx="721224" cy="923330"/>
-          </a:xfrm>
-          <a:prstGeom prst="rect">
-            <a:avLst/>
-          </a:prstGeom>
-          <a:noFill/>
-        </p:spPr>
-        <p:txBody>
-          <a:bodyPr wrap="none" rtlCol="0">
-            <a:spAutoFit/>
-          </a:bodyPr>
-          <a:lstStyle/>
-          <a:p>
-            <a:pPr algn="ctr"/>
-            <a:r>
-              <a:rPr kumimoji="1" lang="en-US" altLang="ja-JP" dirty="0" smtClean="0"/>
-              <a:t>From</a:t>
-            </a:r>
-            <a:endParaRPr lang="en-US" altLang="ja-JP" dirty="0"/>
-          </a:p>
-          <a:p>
-            <a:pPr algn="ctr"/>
-            <a:r>
-              <a:rPr kumimoji="1" lang="en-US" altLang="ja-JP" dirty="0" smtClean="0"/>
-              <a:t>Login</a:t>
-            </a:r>
-          </a:p>
-          <a:p>
-            <a:pPr algn="ctr"/>
-            <a:r>
-              <a:rPr kumimoji="1" lang="en-US" altLang="ja-JP" dirty="0" smtClean="0"/>
-              <a:t>Pages</a:t>
-            </a:r>
-            <a:endParaRPr kumimoji="1" lang="ja-JP" altLang="en-US" dirty="0"/>
-          </a:p>
-        </p:txBody>
-      </p:sp>
-      <p:cxnSp>
-        <p:nvCxnSpPr>
-          <p:cNvPr id="48" name="直線矢印コネクタ 47"/>
-          <p:cNvCxnSpPr>
-            <a:stCxn id="3" idx="0"/>
-            <a:endCxn id="46" idx="2"/>
-          </p:cNvCxnSpPr>
-          <p:nvPr/>
-        </p:nvCxnSpPr>
-        <p:spPr>
-          <a:xfrm flipH="1" flipV="1">
-            <a:off x="2589780" y="53916"/>
-            <a:ext cx="1" cy="549717"/>
-          </a:xfrm>
-          <a:prstGeom prst="straightConnector1">
-            <a:avLst/>
-          </a:prstGeom>
-          <a:ln>
-            <a:headEnd type="arrow"/>
-            <a:tailEnd type="arrow"/>
-          </a:ln>
-        </p:spPr>
-        <p:style>
-          <a:lnRef idx="2">
-            <a:schemeClr val="dk1"/>
-          </a:lnRef>
-          <a:fillRef idx="0">
-            <a:schemeClr val="dk1"/>
-          </a:fillRef>
-          <a:effectRef idx="1">
-            <a:schemeClr val="dk1"/>
-          </a:effectRef>
-          <a:fontRef idx="minor">
-            <a:schemeClr val="tx1"/>
-          </a:fontRef>
-        </p:style>
-      </p:cxnSp>
-      <p:sp>
-        <p:nvSpPr>
-          <p:cNvPr id="49" name="テキスト ボックス 48"/>
-          <p:cNvSpPr txBox="1"/>
-          <p:nvPr/>
-        </p:nvSpPr>
-        <p:spPr>
-          <a:xfrm>
-            <a:off x="3530020" y="7173416"/>
-            <a:ext cx="2549929" cy="369332"/>
-          </a:xfrm>
-          <a:prstGeom prst="rect">
-            <a:avLst/>
-          </a:prstGeom>
-          <a:noFill/>
-        </p:spPr>
-        <p:txBody>
-          <a:bodyPr wrap="none" rtlCol="0">
-            <a:spAutoFit/>
-          </a:bodyPr>
-          <a:lstStyle/>
-          <a:p>
-            <a:r>
-              <a:rPr kumimoji="1" lang="en-US" altLang="ja-JP" dirty="0" smtClean="0"/>
-              <a:t>To</a:t>
-            </a:r>
-            <a:r>
-              <a:rPr kumimoji="1" lang="ja-JP" altLang="en-US" dirty="0" smtClean="0"/>
-              <a:t> </a:t>
-            </a:r>
-            <a:r>
-              <a:rPr lang="en-US" altLang="ja-JP" dirty="0" smtClean="0"/>
-              <a:t>Account</a:t>
-            </a:r>
-            <a:r>
-              <a:rPr lang="ja-JP" altLang="en-US" dirty="0" smtClean="0"/>
-              <a:t> </a:t>
-            </a:r>
-            <a:r>
-              <a:rPr lang="en-US" altLang="ja-JP" dirty="0"/>
-              <a:t>Update</a:t>
-            </a:r>
-            <a:r>
-              <a:rPr lang="ja-JP" altLang="en-US" dirty="0"/>
-              <a:t> </a:t>
-            </a:r>
-            <a:r>
-              <a:rPr kumimoji="1" lang="en-US" altLang="ja-JP" dirty="0" smtClean="0"/>
-              <a:t>Pages</a:t>
-            </a:r>
-            <a:endParaRPr kumimoji="1" lang="ja-JP" altLang="en-US" dirty="0"/>
-          </a:p>
-        </p:txBody>
-      </p:sp>
-      <p:cxnSp>
-        <p:nvCxnSpPr>
-          <p:cNvPr id="50" name="直線矢印コネクタ 49"/>
-          <p:cNvCxnSpPr>
-            <a:stCxn id="30" idx="2"/>
-            <a:endCxn id="49" idx="0"/>
-          </p:cNvCxnSpPr>
-          <p:nvPr/>
-        </p:nvCxnSpPr>
-        <p:spPr>
-          <a:xfrm>
-            <a:off x="2589781" y="6487942"/>
-            <a:ext cx="2215204" cy="685474"/>
           </a:xfrm>
           <a:prstGeom prst="straightConnector1">
             <a:avLst/>
